--- a/Report/Computer_Scientist_Retrieval.pptx
+++ b/Report/Computer_Scientist_Retrieval.pptx
@@ -1,6 +1,6 @@
 
 <file path=ppt/presentation.xml><?xml version="1.0" encoding="utf-8"?>
-<p:presentation xmlns:a="http://schemas.openxmlformats.org/drawingml/2006/main" xmlns:r="http://schemas.openxmlformats.org/officeDocument/2006/relationships" xmlns:p="http://schemas.openxmlformats.org/presentationml/2006/main" saveSubsetFonts="1">
+<p:presentation xmlns:a="http://schemas.openxmlformats.org/drawingml/2006/main" xmlns:r="http://schemas.openxmlformats.org/officeDocument/2006/relationships" xmlns:p="http://schemas.openxmlformats.org/presentationml/2006/main" firstSlideNum="0" showSpecialPlsOnTitleSld="0" saveSubsetFonts="1">
   <p:sldMasterIdLst>
     <p:sldMasterId id="2147483648" r:id="rId1"/>
   </p:sldMasterIdLst>
@@ -9158,6 +9158,7 @@
     <p:sldLayoutId id="2147483697" r:id="rId48"/>
     <p:sldLayoutId id="2147483698" r:id="rId49"/>
   </p:sldLayoutIdLst>
+  <p:hf hdr="0" ftr="0" dt="0"/>
   <p:txStyles>
     <p:titleStyle>
       <a:lvl1pPr algn="l" defTabSz="914400" rtl="0" eaLnBrk="1" latinLnBrk="0" hangingPunct="1">
@@ -9754,6 +9755,42 @@
           </a:p>
         </p:txBody>
       </p:sp>
+      <p:pic>
+        <p:nvPicPr>
+          <p:cNvPr id="4" name="Immagine 3">
+            <a:extLst>
+              <a:ext uri="{FF2B5EF4-FFF2-40B4-BE49-F238E27FC236}">
+                <a16:creationId xmlns:a16="http://schemas.microsoft.com/office/drawing/2014/main" id="{027793D7-F228-894B-9707-CCDC58F0E73C}"/>
+              </a:ext>
+            </a:extLst>
+          </p:cNvPr>
+          <p:cNvPicPr>
+            <a:picLocks noChangeAspect="1"/>
+          </p:cNvPicPr>
+          <p:nvPr/>
+        </p:nvPicPr>
+        <p:blipFill>
+          <a:blip r:embed="rId5">
+            <a:extLst>
+              <a:ext uri="{28A0092B-C50C-407E-A947-70E740481C1C}">
+                <a14:useLocalDpi xmlns:a14="http://schemas.microsoft.com/office/drawing/2010/main" val="0"/>
+              </a:ext>
+            </a:extLst>
+          </a:blip>
+          <a:stretch>
+            <a:fillRect/>
+          </a:stretch>
+        </p:blipFill>
+        <p:spPr>
+          <a:xfrm>
+            <a:off x="9440690" y="6278611"/>
+            <a:ext cx="2215899" cy="412047"/>
+          </a:xfrm>
+          <a:prstGeom prst="rect">
+            <a:avLst/>
+          </a:prstGeom>
+        </p:spPr>
+      </p:pic>
     </p:spTree>
     <p:extLst>
       <p:ext uri="{BB962C8B-B14F-4D97-AF65-F5344CB8AC3E}">
@@ -28351,7 +28388,7 @@
           </p:cNvPicPr>
           <p:nvPr/>
         </p:nvPicPr>
-        <p:blipFill>
+        <p:blipFill rotWithShape="1">
           <a:blip r:embed="rId4">
             <a:extLst>
               <a:ext uri="{28A0092B-C50C-407E-A947-70E740481C1C}">
@@ -28359,14 +28396,13 @@
               </a:ext>
             </a:extLst>
           </a:blip>
-          <a:stretch>
-            <a:fillRect/>
-          </a:stretch>
+          <a:srcRect t="626"/>
+          <a:stretch/>
         </p:blipFill>
         <p:spPr>
           <a:xfrm>
-            <a:off x="107459" y="0"/>
-            <a:ext cx="4848896" cy="6858000"/>
+            <a:off x="107459" y="42964"/>
+            <a:ext cx="4848896" cy="6815035"/>
           </a:xfrm>
           <a:prstGeom prst="rect">
             <a:avLst/>
@@ -29453,36 +29489,6 @@
           </a:p>
         </p:txBody>
       </p:sp>
-      <p:pic>
-        <p:nvPicPr>
-          <p:cNvPr id="6" name="Immagine 5">
-            <a:extLst>
-              <a:ext uri="{FF2B5EF4-FFF2-40B4-BE49-F238E27FC236}">
-                <a16:creationId xmlns:a16="http://schemas.microsoft.com/office/drawing/2014/main" id="{DDEC66BC-D82E-9747-8805-31665F7BC263}"/>
-              </a:ext>
-            </a:extLst>
-          </p:cNvPr>
-          <p:cNvPicPr>
-            <a:picLocks noChangeAspect="1"/>
-          </p:cNvPicPr>
-          <p:nvPr/>
-        </p:nvPicPr>
-        <p:blipFill>
-          <a:blip r:embed="rId2"/>
-          <a:stretch>
-            <a:fillRect/>
-          </a:stretch>
-        </p:blipFill>
-        <p:spPr>
-          <a:xfrm>
-            <a:off x="6338412" y="1720879"/>
-            <a:ext cx="5156454" cy="3139229"/>
-          </a:xfrm>
-          <a:prstGeom prst="rect">
-            <a:avLst/>
-          </a:prstGeom>
-        </p:spPr>
-      </p:pic>
       <p:sp>
         <p:nvSpPr>
           <p:cNvPr id="7" name="Rettangolo 6">
@@ -30125,7 +30131,7 @@
           <p:nvPr/>
         </p:nvPicPr>
         <p:blipFill>
-          <a:blip r:embed="rId3">
+          <a:blip r:embed="rId2">
             <a:extLst>
               <a:ext uri="{28A0092B-C50C-407E-A947-70E740481C1C}">
                 <a14:useLocalDpi xmlns:a14="http://schemas.microsoft.com/office/drawing/2010/main" val="0"/>
@@ -30140,6 +30146,42 @@
           <a:xfrm>
             <a:off x="10025504" y="340196"/>
             <a:ext cx="1570962" cy="966142"/>
+          </a:xfrm>
+          <a:prstGeom prst="rect">
+            <a:avLst/>
+          </a:prstGeom>
+        </p:spPr>
+      </p:pic>
+      <p:pic>
+        <p:nvPicPr>
+          <p:cNvPr id="14" name="Immagine 13">
+            <a:extLst>
+              <a:ext uri="{FF2B5EF4-FFF2-40B4-BE49-F238E27FC236}">
+                <a16:creationId xmlns:a16="http://schemas.microsoft.com/office/drawing/2014/main" id="{123AF799-41B6-8D4F-A9F1-EEEB33AA39CC}"/>
+              </a:ext>
+            </a:extLst>
+          </p:cNvPr>
+          <p:cNvPicPr>
+            <a:picLocks noChangeAspect="1"/>
+          </p:cNvPicPr>
+          <p:nvPr/>
+        </p:nvPicPr>
+        <p:blipFill>
+          <a:blip r:embed="rId3">
+            <a:extLst>
+              <a:ext uri="{28A0092B-C50C-407E-A947-70E740481C1C}">
+                <a14:useLocalDpi xmlns:a14="http://schemas.microsoft.com/office/drawing/2010/main" val="0"/>
+              </a:ext>
+            </a:extLst>
+          </a:blip>
+          <a:stretch>
+            <a:fillRect/>
+          </a:stretch>
+        </p:blipFill>
+        <p:spPr>
+          <a:xfrm>
+            <a:off x="6291607" y="1514395"/>
+            <a:ext cx="5495231" cy="3511546"/>
           </a:xfrm>
           <a:prstGeom prst="rect">
             <a:avLst/>
@@ -30469,14 +30511,14 @@
             </a:ln>
             <a:extLst>
               <a:ext uri="{909E8E84-426E-40dd-AFC4-6F175D3DCCD1}">
-                <a14:hiddenFill xmlns:a14="http://schemas.microsoft.com/office/drawing/2010/main" xmlns="">
+                <a14:hiddenFill xmlns="" xmlns:a14="http://schemas.microsoft.com/office/drawing/2010/main">
                   <a:solidFill>
                     <a:srgbClr val="FFFFFF"/>
                   </a:solidFill>
                 </a14:hiddenFill>
               </a:ext>
               <a:ext uri="{91240B29-F687-4f45-9708-019B960494DF}">
-                <a14:hiddenLine xmlns:a14="http://schemas.microsoft.com/office/drawing/2010/main" xmlns="" w="12700">
+                <a14:hiddenLine xmlns="" xmlns:a14="http://schemas.microsoft.com/office/drawing/2010/main" w="12700">
                   <a:solidFill>
                     <a:schemeClr val="tx1"/>
                   </a:solidFill>
@@ -30791,14 +30833,14 @@
             </a:ln>
             <a:extLst>
               <a:ext uri="{909E8E84-426E-40dd-AFC4-6F175D3DCCD1}">
-                <a14:hiddenFill xmlns:a14="http://schemas.microsoft.com/office/drawing/2010/main" xmlns="">
+                <a14:hiddenFill xmlns="" xmlns:a14="http://schemas.microsoft.com/office/drawing/2010/main">
                   <a:solidFill>
                     <a:srgbClr val="FFFFFF"/>
                   </a:solidFill>
                 </a14:hiddenFill>
               </a:ext>
               <a:ext uri="{91240B29-F687-4f45-9708-019B960494DF}">
-                <a14:hiddenLine xmlns:a14="http://schemas.microsoft.com/office/drawing/2010/main" xmlns="" w="12700">
+                <a14:hiddenLine xmlns="" xmlns:a14="http://schemas.microsoft.com/office/drawing/2010/main" w="12700">
                   <a:solidFill>
                     <a:schemeClr val="tx1"/>
                   </a:solidFill>
@@ -31113,14 +31155,14 @@
             </a:ln>
             <a:extLst>
               <a:ext uri="{909E8E84-426E-40dd-AFC4-6F175D3DCCD1}">
-                <a14:hiddenFill xmlns:a14="http://schemas.microsoft.com/office/drawing/2010/main" xmlns="">
+                <a14:hiddenFill xmlns="" xmlns:a14="http://schemas.microsoft.com/office/drawing/2010/main">
                   <a:solidFill>
                     <a:srgbClr val="FFFFFF"/>
                   </a:solidFill>
                 </a14:hiddenFill>
               </a:ext>
               <a:ext uri="{91240B29-F687-4f45-9708-019B960494DF}">
-                <a14:hiddenLine xmlns:a14="http://schemas.microsoft.com/office/drawing/2010/main" xmlns="" w="12700">
+                <a14:hiddenLine xmlns="" xmlns:a14="http://schemas.microsoft.com/office/drawing/2010/main" w="12700">
                   <a:solidFill>
                     <a:schemeClr val="tx1"/>
                   </a:solidFill>
@@ -31435,14 +31477,14 @@
             </a:ln>
             <a:extLst>
               <a:ext uri="{909E8E84-426E-40dd-AFC4-6F175D3DCCD1}">
-                <a14:hiddenFill xmlns:a14="http://schemas.microsoft.com/office/drawing/2010/main" xmlns="">
+                <a14:hiddenFill xmlns="" xmlns:a14="http://schemas.microsoft.com/office/drawing/2010/main">
                   <a:solidFill>
                     <a:srgbClr val="FFFFFF"/>
                   </a:solidFill>
                 </a14:hiddenFill>
               </a:ext>
               <a:ext uri="{91240B29-F687-4f45-9708-019B960494DF}">
-                <a14:hiddenLine xmlns:a14="http://schemas.microsoft.com/office/drawing/2010/main" xmlns="" w="12700">
+                <a14:hiddenLine xmlns="" xmlns:a14="http://schemas.microsoft.com/office/drawing/2010/main" w="12700">
                   <a:solidFill>
                     <a:schemeClr val="tx1"/>
                   </a:solidFill>

--- a/Report/Computer_Scientist_Retrieval.pptx
+++ b/Report/Computer_Scientist_Retrieval.pptx
@@ -5,10 +5,10 @@
     <p:sldMasterId id="2147483648" r:id="rId1"/>
   </p:sldMasterIdLst>
   <p:notesMasterIdLst>
-    <p:notesMasterId r:id="rId16"/>
+    <p:notesMasterId r:id="rId17"/>
   </p:notesMasterIdLst>
   <p:handoutMasterIdLst>
-    <p:handoutMasterId r:id="rId17"/>
+    <p:handoutMasterId r:id="rId18"/>
   </p:handoutMasterIdLst>
   <p:sldIdLst>
     <p:sldId id="326" r:id="rId2"/>
@@ -24,7 +24,8 @@
     <p:sldId id="357" r:id="rId12"/>
     <p:sldId id="358" r:id="rId13"/>
     <p:sldId id="360" r:id="rId14"/>
-    <p:sldId id="324" r:id="rId15"/>
+    <p:sldId id="361" r:id="rId15"/>
+    <p:sldId id="324" r:id="rId16"/>
   </p:sldIdLst>
   <p:sldSz cx="12192000" cy="6858000"/>
   <p:notesSz cx="6858000" cy="9144000"/>
@@ -216,7 +217,7 @@
           <a:p>
             <a:fld id="{40103E17-9E06-46BC-8180-9412B420F670}" type="datetimeFigureOut">
               <a:rPr lang="en-US" smtClean="0"/>
-              <a:t>7/22/20</a:t>
+              <a:t>7/23/20</a:t>
             </a:fld>
             <a:endParaRPr lang="en-US"/>
           </a:p>
@@ -381,7 +382,7 @@
           <a:p>
             <a:fld id="{0B817E00-FCD2-4039-A67B-A6AC0185B541}" type="datetimeFigureOut">
               <a:rPr lang="en-US" smtClean="0"/>
-              <a:t>7/22/20</a:t>
+              <a:t>7/23/20</a:t>
             </a:fld>
             <a:endParaRPr lang="en-US"/>
           </a:p>
@@ -9570,7 +9571,7 @@
           <p:nvPr/>
         </p:nvPicPr>
         <p:blipFill>
-          <a:blip r:embed="rId2">
+          <a:blip r:embed="rId2" cstate="print">
             <a:extLst>
               <a:ext uri="{28A0092B-C50C-407E-A947-70E740481C1C}">
                 <a14:useLocalDpi xmlns:a14="http://schemas.microsoft.com/office/drawing/2010/main" val="0"/>
@@ -9617,7 +9618,7 @@
           <p:nvPr/>
         </p:nvPicPr>
         <p:blipFill>
-          <a:blip r:embed="rId3">
+          <a:blip r:embed="rId3" cstate="print">
             <a:extLst>
               <a:ext uri="{28A0092B-C50C-407E-A947-70E740481C1C}">
                 <a14:useLocalDpi xmlns:a14="http://schemas.microsoft.com/office/drawing/2010/main" val="0"/>
@@ -20401,10 +20402,10 @@
         </p:grpSpPr>
         <p:cxnSp>
           <p:nvCxnSpPr>
-            <p:cNvPr id="6" name="Straight Connector 5">
+            <p:cNvPr id="7" name="Straight Connector 6">
               <a:extLst>
                 <a:ext uri="{FF2B5EF4-FFF2-40B4-BE49-F238E27FC236}">
-                  <a16:creationId xmlns:a16="http://schemas.microsoft.com/office/drawing/2014/main" id="{CB8C653A-592F-BC4C-B6D0-C33D51FE8E84}"/>
+                  <a16:creationId xmlns:a16="http://schemas.microsoft.com/office/drawing/2014/main" id="{FE89C1C5-ADE1-2643-81C5-3DFED6AC631F}"/>
                 </a:ext>
               </a:extLst>
             </p:cNvPr>
@@ -20412,8 +20413,8 @@
             <p:nvPr/>
           </p:nvCxnSpPr>
           <p:spPr>
-            <a:xfrm flipH="1">
-              <a:off x="2786743" y="1016001"/>
+            <a:xfrm rot="5400000" flipH="1">
+              <a:off x="2786743" y="986972"/>
               <a:ext cx="0" cy="856342"/>
             </a:xfrm>
             <a:prstGeom prst="line">
@@ -20442,10 +20443,10 @@
         </p:cxnSp>
         <p:cxnSp>
           <p:nvCxnSpPr>
-            <p:cNvPr id="7" name="Straight Connector 6">
+            <p:cNvPr id="6" name="Straight Connector 5">
               <a:extLst>
                 <a:ext uri="{FF2B5EF4-FFF2-40B4-BE49-F238E27FC236}">
-                  <a16:creationId xmlns:a16="http://schemas.microsoft.com/office/drawing/2014/main" id="{FE89C1C5-ADE1-2643-81C5-3DFED6AC631F}"/>
+                  <a16:creationId xmlns:a16="http://schemas.microsoft.com/office/drawing/2014/main" id="{CB8C653A-592F-BC4C-B6D0-C33D51FE8E84}"/>
                 </a:ext>
               </a:extLst>
             </p:cNvPr>
@@ -20453,8 +20454,8 @@
             <p:nvPr/>
           </p:nvCxnSpPr>
           <p:spPr>
-            <a:xfrm rot="5400000" flipH="1">
-              <a:off x="2786743" y="986972"/>
+            <a:xfrm flipH="1">
+              <a:off x="2786743" y="1016001"/>
               <a:ext cx="0" cy="856342"/>
             </a:xfrm>
             <a:prstGeom prst="line">
@@ -21002,15 +21003,13 @@
         </p:nvSpPr>
         <p:spPr>
           <a:xfrm>
-            <a:off x="6970817" y="1567334"/>
-            <a:ext cx="4875076" cy="4093428"/>
+            <a:off x="6864472" y="1372605"/>
+            <a:ext cx="5040550" cy="4893134"/>
           </a:xfrm>
           <a:prstGeom prst="rect">
             <a:avLst/>
           </a:prstGeom>
-          <a:solidFill>
-            <a:schemeClr val="bg1"/>
-          </a:solidFill>
+          <a:noFill/>
         </p:spPr>
         <p:txBody>
           <a:bodyPr wrap="square">
@@ -21018,6 +21017,19 @@
           </a:bodyPr>
           <a:lstStyle/>
           <a:p>
+            <a:pPr>
+              <a:lnSpc>
+                <a:spcPct val="115000"/>
+              </a:lnSpc>
+              <a:spcBef>
+                <a:spcPts val="1000"/>
+              </a:spcBef>
+              <a:spcAft>
+                <a:spcPts val="1000"/>
+              </a:spcAft>
+              <a:buFont typeface="Raleway"/>
+              <a:buChar char="●"/>
+            </a:pPr>
             <a:r>
               <a:rPr lang="en-GB" sz="2000" dirty="0">
                 <a:solidFill>
@@ -21025,29 +21037,70 @@
                     <a:lumMod val="50000"/>
                   </a:schemeClr>
                 </a:solidFill>
+                <a:latin typeface="Raleway" panose="020B0604020202020204" charset="0"/>
+                <a:cs typeface="Raleway" panose="020B0604020202020204" charset="0"/>
               </a:rPr>
-              <a:t>We realized that through the scraping of Wikipedia we can access to some other information. </a:t>
+              <a:t>University Computer Scientists attended</a:t>
             </a:r>
           </a:p>
           <a:p>
+            <a:pPr>
+              <a:lnSpc>
+                <a:spcPct val="115000"/>
+              </a:lnSpc>
+              <a:spcBef>
+                <a:spcPts val="1000"/>
+              </a:spcBef>
+              <a:spcAft>
+                <a:spcPts val="1000"/>
+              </a:spcAft>
+            </a:pPr>
             <a:endParaRPr lang="en-GB" sz="2000" dirty="0">
               <a:solidFill>
                 <a:schemeClr val="bg2">
                   <a:lumMod val="50000"/>
                 </a:schemeClr>
               </a:solidFill>
+              <a:latin typeface="Raleway" panose="020B0604020202020204" charset="0"/>
+              <a:cs typeface="Raleway" panose="020B0604020202020204" charset="0"/>
             </a:endParaRPr>
           </a:p>
           <a:p>
-            <a:endParaRPr lang="en-GB" sz="2000" dirty="0">
+            <a:pPr>
+              <a:lnSpc>
+                <a:spcPct val="115000"/>
+              </a:lnSpc>
+              <a:spcBef>
+                <a:spcPts val="1000"/>
+              </a:spcBef>
+              <a:spcAft>
+                <a:spcPts val="1000"/>
+              </a:spcAft>
+            </a:pPr>
+            <a:endParaRPr lang="en-GB" sz="1100" dirty="0">
               <a:solidFill>
                 <a:schemeClr val="bg2">
                   <a:lumMod val="50000"/>
                 </a:schemeClr>
               </a:solidFill>
+              <a:latin typeface="Raleway" panose="020B0604020202020204" charset="0"/>
+              <a:cs typeface="Raleway" panose="020B0604020202020204" charset="0"/>
             </a:endParaRPr>
           </a:p>
           <a:p>
+            <a:pPr>
+              <a:lnSpc>
+                <a:spcPct val="115000"/>
+              </a:lnSpc>
+              <a:spcBef>
+                <a:spcPts val="1000"/>
+              </a:spcBef>
+              <a:spcAft>
+                <a:spcPts val="1000"/>
+              </a:spcAft>
+              <a:buFont typeface="Raleway"/>
+              <a:buChar char="●"/>
+            </a:pPr>
             <a:r>
               <a:rPr lang="en-GB" sz="2000" dirty="0">
                 <a:solidFill>
@@ -21055,29 +21108,70 @@
                     <a:lumMod val="50000"/>
                   </a:schemeClr>
                 </a:solidFill>
+                <a:latin typeface="Raleway" panose="020B0604020202020204" charset="0"/>
+                <a:cs typeface="Raleway" panose="020B0604020202020204" charset="0"/>
               </a:rPr>
-              <a:t>In fact, most of the biographical tables of a computer scientist also report the universities that he attended or those in which he held the role of teacher.</a:t>
+              <a:t> University Computer Scientists has  worked as a teacher or researcher</a:t>
             </a:r>
           </a:p>
           <a:p>
+            <a:pPr>
+              <a:lnSpc>
+                <a:spcPct val="115000"/>
+              </a:lnSpc>
+              <a:spcBef>
+                <a:spcPts val="1000"/>
+              </a:spcBef>
+              <a:spcAft>
+                <a:spcPts val="1000"/>
+              </a:spcAft>
+            </a:pPr>
             <a:endParaRPr lang="en-GB" sz="2000" dirty="0">
               <a:solidFill>
                 <a:schemeClr val="bg2">
                   <a:lumMod val="50000"/>
                 </a:schemeClr>
               </a:solidFill>
+              <a:latin typeface="Raleway" panose="020B0604020202020204" charset="0"/>
+              <a:cs typeface="Raleway" panose="020B0604020202020204" charset="0"/>
             </a:endParaRPr>
           </a:p>
           <a:p>
+            <a:pPr>
+              <a:lnSpc>
+                <a:spcPct val="115000"/>
+              </a:lnSpc>
+              <a:spcBef>
+                <a:spcPts val="1000"/>
+              </a:spcBef>
+              <a:spcAft>
+                <a:spcPts val="1000"/>
+              </a:spcAft>
+            </a:pPr>
             <a:endParaRPr lang="en-GB" sz="2000" dirty="0">
               <a:solidFill>
                 <a:schemeClr val="bg2">
                   <a:lumMod val="50000"/>
                 </a:schemeClr>
               </a:solidFill>
+              <a:latin typeface="Raleway" panose="020B0604020202020204" charset="0"/>
+              <a:cs typeface="Raleway" panose="020B0604020202020204" charset="0"/>
             </a:endParaRPr>
           </a:p>
           <a:p>
+            <a:pPr>
+              <a:lnSpc>
+                <a:spcPct val="115000"/>
+              </a:lnSpc>
+              <a:spcBef>
+                <a:spcPts val="1000"/>
+              </a:spcBef>
+              <a:spcAft>
+                <a:spcPts val="1000"/>
+              </a:spcAft>
+              <a:buFont typeface="Raleway"/>
+              <a:buChar char="●"/>
+            </a:pPr>
             <a:r>
               <a:rPr lang="en-GB" sz="2000" dirty="0">
                 <a:solidFill>
@@ -21085,9 +21179,36 @@
                     <a:lumMod val="50000"/>
                   </a:schemeClr>
                 </a:solidFill>
+                <a:latin typeface="Raleway" panose="020B0604020202020204" charset="0"/>
+                <a:cs typeface="Raleway" panose="020B0604020202020204" charset="0"/>
               </a:rPr>
-              <a:t>In the future, these data could be accessed to draw up a ranking of the best universities.</a:t>
+              <a:t> Best university ranking</a:t>
             </a:r>
+          </a:p>
+          <a:p>
+            <a:pPr>
+              <a:lnSpc>
+                <a:spcPct val="115000"/>
+              </a:lnSpc>
+              <a:spcBef>
+                <a:spcPts val="1000"/>
+              </a:spcBef>
+              <a:spcAft>
+                <a:spcPts val="1000"/>
+              </a:spcAft>
+              <a:buFont typeface="Raleway"/>
+              <a:buChar char="●"/>
+            </a:pPr>
+            <a:endParaRPr lang="en-GB" sz="2000" dirty="0">
+              <a:solidFill>
+                <a:schemeClr val="bg2">
+                  <a:lumMod val="50000"/>
+                </a:schemeClr>
+              </a:solidFill>
+              <a:ea typeface="Raleway"/>
+              <a:cs typeface="Raleway"/>
+              <a:sym typeface="Raleway"/>
+            </a:endParaRPr>
           </a:p>
         </p:txBody>
       </p:sp>
@@ -21804,6 +21925,504 @@
       </p:grpSpPr>
       <p:sp>
         <p:nvSpPr>
+          <p:cNvPr id="7" name="TextBox 14">
+            <a:extLst>
+              <a:ext uri="{FF2B5EF4-FFF2-40B4-BE49-F238E27FC236}">
+                <a16:creationId xmlns:a16="http://schemas.microsoft.com/office/drawing/2014/main" id="{F5F23330-5BC8-4AFB-B3CB-75F088BE98E1}"/>
+              </a:ext>
+            </a:extLst>
+          </p:cNvPr>
+          <p:cNvSpPr txBox="1"/>
+          <p:nvPr/>
+        </p:nvSpPr>
+        <p:spPr>
+          <a:xfrm>
+            <a:off x="3029576" y="523752"/>
+            <a:ext cx="6132848" cy="646331"/>
+          </a:xfrm>
+          <a:prstGeom prst="rect">
+            <a:avLst/>
+          </a:prstGeom>
+          <a:noFill/>
+        </p:spPr>
+        <p:txBody>
+          <a:bodyPr wrap="square" rtlCol="0">
+            <a:spAutoFit/>
+          </a:bodyPr>
+          <a:lstStyle/>
+          <a:p>
+            <a:pPr algn="ctr"/>
+            <a:r>
+              <a:rPr lang="en-US" sz="3600" b="1" dirty="0">
+                <a:latin typeface="Titillium" panose="00000500000000000000" pitchFamily="50" charset="0"/>
+              </a:rPr>
+              <a:t>References</a:t>
+            </a:r>
+            <a:endParaRPr lang="en-US" sz="3600" b="1" dirty="0">
+              <a:solidFill>
+                <a:schemeClr val="accent2"/>
+              </a:solidFill>
+              <a:latin typeface="Titillium" panose="00000500000000000000" pitchFamily="50" charset="0"/>
+            </a:endParaRPr>
+          </a:p>
+        </p:txBody>
+      </p:sp>
+      <p:sp>
+        <p:nvSpPr>
+          <p:cNvPr id="6" name="Rettangolo 5">
+            <a:extLst>
+              <a:ext uri="{FF2B5EF4-FFF2-40B4-BE49-F238E27FC236}">
+                <a16:creationId xmlns:a16="http://schemas.microsoft.com/office/drawing/2014/main" id="{50762767-0F52-3442-838C-EA498158048A}"/>
+              </a:ext>
+            </a:extLst>
+          </p:cNvPr>
+          <p:cNvSpPr/>
+          <p:nvPr/>
+        </p:nvSpPr>
+        <p:spPr>
+          <a:xfrm>
+            <a:off x="890154" y="1812050"/>
+            <a:ext cx="10411691" cy="3233899"/>
+          </a:xfrm>
+          <a:prstGeom prst="rect">
+            <a:avLst/>
+          </a:prstGeom>
+          <a:solidFill>
+            <a:schemeClr val="bg1"/>
+          </a:solidFill>
+        </p:spPr>
+        <p:txBody>
+          <a:bodyPr wrap="square">
+            <a:spAutoFit/>
+          </a:bodyPr>
+          <a:lstStyle/>
+          <a:p>
+            <a:pPr>
+              <a:lnSpc>
+                <a:spcPct val="115000"/>
+              </a:lnSpc>
+              <a:spcBef>
+                <a:spcPts val="1000"/>
+              </a:spcBef>
+              <a:spcAft>
+                <a:spcPts val="1000"/>
+              </a:spcAft>
+            </a:pPr>
+            <a:r>
+              <a:rPr lang="en-GB" sz="2500" b="1" dirty="0">
+                <a:solidFill>
+                  <a:schemeClr val="bg2">
+                    <a:lumMod val="50000"/>
+                  </a:schemeClr>
+                </a:solidFill>
+                <a:ea typeface="Raleway"/>
+                <a:cs typeface="Raleway"/>
+                <a:sym typeface="Raleway"/>
+              </a:rPr>
+              <a:t>[1] Mining Wikipedia to Rank Rock Guitarists, </a:t>
+            </a:r>
+            <a:r>
+              <a:rPr lang="en-GB" sz="2500" b="1" u="sng" dirty="0">
+                <a:solidFill>
+                  <a:schemeClr val="bg2">
+                    <a:lumMod val="50000"/>
+                  </a:schemeClr>
+                </a:solidFill>
+                <a:ea typeface="Raleway"/>
+                <a:cs typeface="Raleway"/>
+                <a:sym typeface="Raleway"/>
+                <a:hlinkClick r:id="rId2">
+                  <a:extLst>
+                    <a:ext uri="{A12FA001-AC4F-418D-AE19-62706E023703}">
+                      <ahyp:hlinkClr xmlns:ahyp="http://schemas.microsoft.com/office/drawing/2018/hyperlinkcolor" val="tx"/>
+                    </a:ext>
+                  </a:extLst>
+                </a:hlinkClick>
+              </a:rPr>
+              <a:t>http://www.mecs-press.org/ijisa/ijisa-v7-n12/IJISA-V7-N12-5.pdf</a:t>
+            </a:r>
+            <a:r>
+              <a:rPr lang="en-GB" sz="2500" b="1" dirty="0">
+                <a:solidFill>
+                  <a:schemeClr val="bg2">
+                    <a:lumMod val="50000"/>
+                  </a:schemeClr>
+                </a:solidFill>
+                <a:ea typeface="Raleway"/>
+                <a:cs typeface="Raleway"/>
+                <a:sym typeface="Raleway"/>
+              </a:rPr>
+              <a:t> </a:t>
+            </a:r>
+          </a:p>
+          <a:p>
+            <a:pPr>
+              <a:lnSpc>
+                <a:spcPct val="115000"/>
+              </a:lnSpc>
+              <a:spcBef>
+                <a:spcPts val="1000"/>
+              </a:spcBef>
+              <a:spcAft>
+                <a:spcPts val="1000"/>
+              </a:spcAft>
+            </a:pPr>
+            <a:endParaRPr lang="en-GB" sz="2500" b="1" dirty="0">
+              <a:solidFill>
+                <a:schemeClr val="bg2">
+                  <a:lumMod val="50000"/>
+                </a:schemeClr>
+              </a:solidFill>
+              <a:ea typeface="Raleway"/>
+              <a:cs typeface="Raleway"/>
+              <a:sym typeface="Raleway"/>
+            </a:endParaRPr>
+          </a:p>
+          <a:p>
+            <a:pPr>
+              <a:lnSpc>
+                <a:spcPct val="115000"/>
+              </a:lnSpc>
+              <a:spcBef>
+                <a:spcPts val="1000"/>
+              </a:spcBef>
+              <a:spcAft>
+                <a:spcPts val="1000"/>
+              </a:spcAft>
+            </a:pPr>
+            <a:r>
+              <a:rPr lang="en-GB" sz="2500" b="1" dirty="0">
+                <a:solidFill>
+                  <a:schemeClr val="bg2">
+                    <a:lumMod val="50000"/>
+                  </a:schemeClr>
+                </a:solidFill>
+                <a:ea typeface="Raleway"/>
+                <a:cs typeface="Raleway"/>
+                <a:sym typeface="Raleway"/>
+              </a:rPr>
+              <a:t>[2] </a:t>
+            </a:r>
+            <a:r>
+              <a:rPr lang="it-IT" sz="2500" b="1" dirty="0" err="1">
+                <a:solidFill>
+                  <a:schemeClr val="bg2">
+                    <a:lumMod val="50000"/>
+                  </a:schemeClr>
+                </a:solidFill>
+              </a:rPr>
+              <a:t>Overcoming</a:t>
+            </a:r>
+            <a:r>
+              <a:rPr lang="it-IT" sz="2500" b="1" dirty="0">
+                <a:solidFill>
+                  <a:schemeClr val="bg2">
+                    <a:lumMod val="50000"/>
+                  </a:schemeClr>
+                </a:solidFill>
+              </a:rPr>
+              <a:t> schema </a:t>
+            </a:r>
+            <a:r>
+              <a:rPr lang="it-IT" sz="2500" b="1" dirty="0" err="1">
+                <a:solidFill>
+                  <a:schemeClr val="bg2">
+                    <a:lumMod val="50000"/>
+                  </a:schemeClr>
+                </a:solidFill>
+              </a:rPr>
+              <a:t>heterogeneity</a:t>
+            </a:r>
+            <a:r>
+              <a:rPr lang="it-IT" sz="2500" b="1" dirty="0">
+                <a:solidFill>
+                  <a:schemeClr val="bg2">
+                    <a:lumMod val="50000"/>
+                  </a:schemeClr>
+                </a:solidFill>
+              </a:rPr>
+              <a:t> </a:t>
+            </a:r>
+            <a:r>
+              <a:rPr lang="it-IT" sz="2500" b="1" dirty="0" err="1">
+                <a:solidFill>
+                  <a:schemeClr val="bg2">
+                    <a:lumMod val="50000"/>
+                  </a:schemeClr>
+                </a:solidFill>
+              </a:rPr>
+              <a:t>between</a:t>
+            </a:r>
+            <a:r>
+              <a:rPr lang="it-IT" sz="2500" b="1" dirty="0">
+                <a:solidFill>
+                  <a:schemeClr val="bg2">
+                    <a:lumMod val="50000"/>
+                  </a:schemeClr>
+                </a:solidFill>
+              </a:rPr>
+              <a:t> </a:t>
+            </a:r>
+            <a:r>
+              <a:rPr lang="it-IT" sz="2500" b="1" dirty="0" err="1">
+                <a:solidFill>
+                  <a:schemeClr val="bg2">
+                    <a:lumMod val="50000"/>
+                  </a:schemeClr>
+                </a:solidFill>
+              </a:rPr>
+              <a:t>linked</a:t>
+            </a:r>
+            <a:r>
+              <a:rPr lang="it-IT" sz="2500" b="1" dirty="0">
+                <a:solidFill>
+                  <a:schemeClr val="bg2">
+                    <a:lumMod val="50000"/>
+                  </a:schemeClr>
+                </a:solidFill>
+              </a:rPr>
+              <a:t> </a:t>
+            </a:r>
+            <a:r>
+              <a:rPr lang="it-IT" sz="2500" b="1" dirty="0" err="1">
+                <a:solidFill>
+                  <a:schemeClr val="bg2">
+                    <a:lumMod val="50000"/>
+                  </a:schemeClr>
+                </a:solidFill>
+              </a:rPr>
+              <a:t>semantic</a:t>
+            </a:r>
+            <a:r>
+              <a:rPr lang="it-IT" sz="2500" b="1" dirty="0">
+                <a:solidFill>
+                  <a:schemeClr val="bg2">
+                    <a:lumMod val="50000"/>
+                  </a:schemeClr>
+                </a:solidFill>
+              </a:rPr>
+              <a:t> </a:t>
+            </a:r>
+            <a:r>
+              <a:rPr lang="it-IT" sz="2500" b="1" dirty="0" err="1">
+                <a:solidFill>
+                  <a:schemeClr val="bg2">
+                    <a:lumMod val="50000"/>
+                  </a:schemeClr>
+                </a:solidFill>
+              </a:rPr>
+              <a:t>repositories</a:t>
+            </a:r>
+            <a:r>
+              <a:rPr lang="it-IT" sz="2500" b="1" dirty="0">
+                <a:solidFill>
+                  <a:schemeClr val="bg2">
+                    <a:lumMod val="50000"/>
+                  </a:schemeClr>
+                </a:solidFill>
+              </a:rPr>
+              <a:t> to </a:t>
+            </a:r>
+            <a:r>
+              <a:rPr lang="it-IT" sz="2500" b="1" dirty="0" err="1">
+                <a:solidFill>
+                  <a:schemeClr val="bg2">
+                    <a:lumMod val="50000"/>
+                  </a:schemeClr>
+                </a:solidFill>
+              </a:rPr>
+              <a:t>improve</a:t>
+            </a:r>
+            <a:r>
+              <a:rPr lang="it-IT" sz="2500" b="1" dirty="0">
+                <a:solidFill>
+                  <a:schemeClr val="bg2">
+                    <a:lumMod val="50000"/>
+                  </a:schemeClr>
+                </a:solidFill>
+              </a:rPr>
+              <a:t> </a:t>
+            </a:r>
+            <a:r>
+              <a:rPr lang="it-IT" sz="2500" b="1" dirty="0" err="1">
+                <a:solidFill>
+                  <a:schemeClr val="bg2">
+                    <a:lumMod val="50000"/>
+                  </a:schemeClr>
+                </a:solidFill>
+              </a:rPr>
+              <a:t>coreference</a:t>
+            </a:r>
+            <a:r>
+              <a:rPr lang="it-IT" sz="2500" b="1" dirty="0">
+                <a:solidFill>
+                  <a:schemeClr val="bg2">
+                    <a:lumMod val="50000"/>
+                  </a:schemeClr>
+                </a:solidFill>
+              </a:rPr>
+              <a:t> </a:t>
+            </a:r>
+            <a:r>
+              <a:rPr lang="it-IT" sz="2500" b="1" dirty="0" err="1">
+                <a:solidFill>
+                  <a:schemeClr val="bg2">
+                    <a:lumMod val="50000"/>
+                  </a:schemeClr>
+                </a:solidFill>
+              </a:rPr>
+              <a:t>resolution</a:t>
+            </a:r>
+            <a:r>
+              <a:rPr lang="en-GB" sz="2500" b="1" dirty="0">
+                <a:solidFill>
+                  <a:schemeClr val="bg2">
+                    <a:lumMod val="50000"/>
+                  </a:schemeClr>
+                </a:solidFill>
+                <a:ea typeface="Raleway"/>
+                <a:cs typeface="Raleway"/>
+                <a:sym typeface="Raleway"/>
+              </a:rPr>
+              <a:t>, </a:t>
+            </a:r>
+            <a:r>
+              <a:rPr lang="it-IT" sz="2500" b="1" dirty="0">
+                <a:solidFill>
+                  <a:schemeClr val="bg2">
+                    <a:lumMod val="50000"/>
+                  </a:schemeClr>
+                </a:solidFill>
+              </a:rPr>
+              <a:t>2009 </a:t>
+            </a:r>
+            <a:r>
+              <a:rPr lang="it-IT" sz="2500" b="1" dirty="0" err="1">
+                <a:solidFill>
+                  <a:schemeClr val="bg2">
+                    <a:lumMod val="50000"/>
+                  </a:schemeClr>
+                </a:solidFill>
+              </a:rPr>
+              <a:t>Springer-Verlag</a:t>
+            </a:r>
+            <a:r>
+              <a:rPr lang="it-IT" sz="2500" b="1" dirty="0">
+                <a:solidFill>
+                  <a:schemeClr val="bg2">
+                    <a:lumMod val="50000"/>
+                  </a:schemeClr>
+                </a:solidFill>
+              </a:rPr>
+              <a:t> </a:t>
+            </a:r>
+            <a:r>
+              <a:rPr lang="it-IT" sz="2500" b="1" dirty="0" err="1">
+                <a:solidFill>
+                  <a:schemeClr val="bg2">
+                    <a:lumMod val="50000"/>
+                  </a:schemeClr>
+                </a:solidFill>
+              </a:rPr>
+              <a:t>Berlin</a:t>
+            </a:r>
+            <a:r>
+              <a:rPr lang="it-IT" sz="2500" b="1" dirty="0">
+                <a:solidFill>
+                  <a:schemeClr val="bg2">
+                    <a:lumMod val="50000"/>
+                  </a:schemeClr>
+                </a:solidFill>
+              </a:rPr>
+              <a:t> Heidelberg</a:t>
+            </a:r>
+            <a:r>
+              <a:rPr lang="en-GB" sz="2500" b="1" dirty="0">
+                <a:solidFill>
+                  <a:schemeClr val="bg2">
+                    <a:lumMod val="50000"/>
+                  </a:schemeClr>
+                </a:solidFill>
+                <a:ea typeface="Raleway"/>
+                <a:cs typeface="Raleway"/>
+                <a:sym typeface="Raleway"/>
+              </a:rPr>
+              <a:t>, </a:t>
+            </a:r>
+            <a:r>
+              <a:rPr lang="it-IT" sz="2500" b="1" dirty="0">
+                <a:solidFill>
+                  <a:schemeClr val="bg2">
+                    <a:lumMod val="50000"/>
+                  </a:schemeClr>
+                </a:solidFill>
+                <a:hlinkClick r:id="rId3">
+                  <a:extLst>
+                    <a:ext uri="{A12FA001-AC4F-418D-AE19-62706E023703}">
+                      <ahyp:hlinkClr xmlns:ahyp="http://schemas.microsoft.com/office/drawing/2018/hyperlinkcolor" val="tx"/>
+                    </a:ext>
+                  </a:extLst>
+                </a:hlinkClick>
+              </a:rPr>
+              <a:t>http://oro.open.ac.uk/23438/5/23438.pdf</a:t>
+            </a:r>
+            <a:endParaRPr lang="en-GB" sz="2500" b="1" dirty="0">
+              <a:solidFill>
+                <a:schemeClr val="bg2">
+                  <a:lumMod val="50000"/>
+                </a:schemeClr>
+              </a:solidFill>
+              <a:ea typeface="Raleway"/>
+              <a:cs typeface="Raleway"/>
+              <a:sym typeface="Raleway"/>
+            </a:endParaRPr>
+          </a:p>
+        </p:txBody>
+      </p:sp>
+    </p:spTree>
+    <p:extLst>
+      <p:ext uri="{BB962C8B-B14F-4D97-AF65-F5344CB8AC3E}">
+        <p14:creationId xmlns:p14="http://schemas.microsoft.com/office/powerpoint/2010/main" val="2893739078"/>
+      </p:ext>
+    </p:extLst>
+  </p:cSld>
+  <p:clrMapOvr>
+    <a:masterClrMapping/>
+  </p:clrMapOvr>
+  <mc:AlternateContent xmlns:mc="http://schemas.openxmlformats.org/markup-compatibility/2006">
+    <mc:Choice xmlns:p14="http://schemas.microsoft.com/office/powerpoint/2010/main" Requires="p14">
+      <p:transition spd="slow" p14:dur="1600">
+        <p14:gallery dir="l"/>
+      </p:transition>
+    </mc:Choice>
+    <mc:Fallback>
+      <p:transition spd="slow">
+        <p:fade/>
+      </p:transition>
+    </mc:Fallback>
+  </mc:AlternateContent>
+</p:sld>
+</file>
+
+<file path=ppt/slides/slide15.xml><?xml version="1.0" encoding="utf-8"?>
+<p:sld xmlns:a="http://schemas.openxmlformats.org/drawingml/2006/main" xmlns:r="http://schemas.openxmlformats.org/officeDocument/2006/relationships" xmlns:p="http://schemas.openxmlformats.org/presentationml/2006/main">
+  <p:cSld>
+    <p:spTree>
+      <p:nvGrpSpPr>
+        <p:cNvPr id="1" name=""/>
+        <p:cNvGrpSpPr/>
+        <p:nvPr/>
+      </p:nvGrpSpPr>
+      <p:grpSpPr>
+        <a:xfrm>
+          <a:off x="0" y="0"/>
+          <a:ext cx="0" cy="0"/>
+          <a:chOff x="0" y="0"/>
+          <a:chExt cx="0" cy="0"/>
+        </a:xfrm>
+      </p:grpSpPr>
+      <p:sp>
+        <p:nvSpPr>
           <p:cNvPr id="14" name="Rectangle 13"/>
           <p:cNvSpPr/>
           <p:nvPr/>
@@ -22038,7 +22657,7 @@
           <p:nvPr/>
         </p:nvPicPr>
         <p:blipFill>
-          <a:blip r:embed="rId3">
+          <a:blip r:embed="rId3" cstate="print">
             <a:extLst>
               <a:ext uri="{28A0092B-C50C-407E-A947-70E740481C1C}">
                 <a14:useLocalDpi xmlns:a14="http://schemas.microsoft.com/office/drawing/2010/main" val="0"/>
@@ -22075,7 +22694,7 @@
           <p:nvPr/>
         </p:nvPicPr>
         <p:blipFill>
-          <a:blip r:embed="rId5">
+          <a:blip r:embed="rId5" cstate="print">
             <a:extLst>
               <a:ext uri="{28A0092B-C50C-407E-A947-70E740481C1C}">
                 <a14:useLocalDpi xmlns:a14="http://schemas.microsoft.com/office/drawing/2010/main" val="0"/>
@@ -22277,7 +22896,7 @@
           <p:nvPr/>
         </p:nvPicPr>
         <p:blipFill>
-          <a:blip r:embed="rId7">
+          <a:blip r:embed="rId7" cstate="print">
             <a:extLst>
               <a:ext uri="{28A0092B-C50C-407E-A947-70E740481C1C}">
                 <a14:useLocalDpi xmlns:a14="http://schemas.microsoft.com/office/drawing/2010/main" val="0"/>
@@ -23328,7 +23947,7 @@
           <p:nvPr/>
         </p:nvPicPr>
         <p:blipFill>
-          <a:blip r:embed="rId3">
+          <a:blip r:embed="rId3" cstate="print">
             <a:extLst>
               <a:ext uri="{28A0092B-C50C-407E-A947-70E740481C1C}">
                 <a14:useLocalDpi xmlns:a14="http://schemas.microsoft.com/office/drawing/2010/main" val="0"/>
@@ -26003,7 +26622,7 @@
           <p:nvPr/>
         </p:nvPicPr>
         <p:blipFill>
-          <a:blip r:embed="rId2">
+          <a:blip r:embed="rId2" cstate="print">
             <a:extLst>
               <a:ext uri="{28A0092B-C50C-407E-A947-70E740481C1C}">
                 <a14:useLocalDpi xmlns:a14="http://schemas.microsoft.com/office/drawing/2010/main" val="0"/>
@@ -30131,7 +30750,7 @@
           <p:nvPr/>
         </p:nvPicPr>
         <p:blipFill>
-          <a:blip r:embed="rId2">
+          <a:blip r:embed="rId2" cstate="print">
             <a:extLst>
               <a:ext uri="{28A0092B-C50C-407E-A947-70E740481C1C}">
                 <a14:useLocalDpi xmlns:a14="http://schemas.microsoft.com/office/drawing/2010/main" val="0"/>
@@ -32359,8 +32978,8 @@
         </p:nvSpPr>
         <p:spPr>
           <a:xfrm>
-            <a:off x="8623257" y="1720893"/>
-            <a:ext cx="1933800" cy="402900"/>
+            <a:off x="1073489" y="3429000"/>
+            <a:ext cx="3293802" cy="402900"/>
           </a:xfrm>
           <a:prstGeom prst="rect">
             <a:avLst/>
@@ -32378,7 +32997,7 @@
           <a:p>
             <a:pPr lvl="0" algn="ctr"/>
             <a:r>
-              <a:rPr lang="it-IT" dirty="0">
+              <a:rPr lang="it-IT" sz="1500" dirty="0">
                 <a:solidFill>
                   <a:schemeClr val="accent2"/>
                 </a:solidFill>
@@ -32406,8 +33025,8 @@
         </p:nvSpPr>
         <p:spPr>
           <a:xfrm>
-            <a:off x="8502013" y="3191487"/>
-            <a:ext cx="2176288" cy="1228031"/>
+            <a:off x="1232448" y="4413803"/>
+            <a:ext cx="2999417" cy="798622"/>
           </a:xfrm>
           <a:prstGeom prst="rect">
             <a:avLst/>
@@ -32433,7 +33052,7 @@
               <a:buNone/>
             </a:pPr>
             <a:r>
-              <a:rPr lang="it-IT" dirty="0">
+              <a:rPr lang="it-IT" sz="1500" dirty="0">
                 <a:solidFill>
                   <a:schemeClr val="accent2"/>
                 </a:solidFill>
@@ -32444,7 +33063,7 @@
               </a:rPr>
               <a:t>Retrieve  Computer Scientists Wikipedia pages</a:t>
             </a:r>
-            <a:endParaRPr dirty="0">
+            <a:endParaRPr sz="1500" dirty="0">
               <a:solidFill>
                 <a:schemeClr val="accent2"/>
               </a:solidFill>
@@ -32470,8 +33089,8 @@
         </p:nvSpPr>
         <p:spPr>
           <a:xfrm>
-            <a:off x="7417285" y="4981894"/>
-            <a:ext cx="2333900" cy="953400"/>
+            <a:off x="204862" y="5588409"/>
+            <a:ext cx="2614590" cy="953400"/>
           </a:xfrm>
           <a:prstGeom prst="rect">
             <a:avLst/>
@@ -32489,14 +33108,14 @@
           <a:p>
             <a:pPr lvl="0" algn="ctr"/>
             <a:r>
-              <a:rPr lang="en-US" dirty="0">
+              <a:rPr lang="en-US" sz="1500" dirty="0">
                 <a:solidFill>
                   <a:schemeClr val="accent2"/>
                 </a:solidFill>
               </a:rPr>
               <a:t>Applying Google PageRank algorithm to rank computer scientists.</a:t>
             </a:r>
-            <a:endParaRPr dirty="0">
+            <a:endParaRPr sz="1500" dirty="0">
               <a:solidFill>
                 <a:schemeClr val="accent2"/>
               </a:solidFill>
@@ -32522,8 +33141,8 @@
         </p:nvSpPr>
         <p:spPr>
           <a:xfrm>
-            <a:off x="9714735" y="4987407"/>
-            <a:ext cx="1920300" cy="886200"/>
+            <a:off x="2720390" y="5681457"/>
+            <a:ext cx="2688462" cy="646308"/>
           </a:xfrm>
           <a:prstGeom prst="rect">
             <a:avLst/>
@@ -32549,7 +33168,7 @@
               <a:buNone/>
             </a:pPr>
             <a:r>
-              <a:rPr lang="it-IT" dirty="0">
+              <a:rPr lang="it-IT" sz="1500" dirty="0">
                 <a:solidFill>
                   <a:schemeClr val="accent2"/>
                 </a:solidFill>
@@ -32560,7 +33179,7 @@
               </a:rPr>
               <a:t>Computer Scientist branches classification</a:t>
             </a:r>
-            <a:endParaRPr dirty="0">
+            <a:endParaRPr sz="1500" dirty="0">
               <a:solidFill>
                 <a:schemeClr val="accent2"/>
               </a:solidFill>
@@ -32588,8 +33207,8 @@
         </p:nvCxnSpPr>
         <p:spPr>
           <a:xfrm>
-            <a:off x="9578390" y="2654337"/>
-            <a:ext cx="0" cy="537150"/>
+            <a:off x="2720390" y="3876653"/>
+            <a:ext cx="0" cy="655864"/>
           </a:xfrm>
           <a:prstGeom prst="straightConnector1">
             <a:avLst/>
@@ -32619,13 +33238,15 @@
           </p:cNvPr>
           <p:cNvCxnSpPr>
             <a:cxnSpLocks/>
+            <a:stCxn id="7" idx="2"/>
+            <a:endCxn id="8" idx="0"/>
           </p:cNvCxnSpPr>
           <p:nvPr/>
         </p:nvCxnSpPr>
         <p:spPr>
           <a:xfrm flipH="1">
-            <a:off x="8502013" y="4375893"/>
-            <a:ext cx="1088144" cy="612301"/>
+            <a:off x="1512157" y="5212425"/>
+            <a:ext cx="1220000" cy="375984"/>
           </a:xfrm>
           <a:prstGeom prst="straightConnector1">
             <a:avLst/>
@@ -32655,14 +33276,15 @@
           </p:cNvPr>
           <p:cNvCxnSpPr>
             <a:cxnSpLocks/>
+            <a:stCxn id="7" idx="2"/>
             <a:endCxn id="9" idx="0"/>
           </p:cNvCxnSpPr>
           <p:nvPr/>
         </p:nvCxnSpPr>
         <p:spPr>
           <a:xfrm>
-            <a:off x="9590157" y="4375893"/>
-            <a:ext cx="1084728" cy="611514"/>
+            <a:off x="2732157" y="5212425"/>
+            <a:ext cx="1332464" cy="469032"/>
           </a:xfrm>
           <a:prstGeom prst="straightConnector1">
             <a:avLst/>
@@ -32695,15 +33317,15 @@
         </p:nvSpPr>
         <p:spPr>
           <a:xfrm>
-            <a:off x="556965" y="1922343"/>
-            <a:ext cx="6096000" cy="3816429"/>
+            <a:off x="317114" y="1473292"/>
+            <a:ext cx="11657699" cy="1938992"/>
           </a:xfrm>
           <a:prstGeom prst="rect">
             <a:avLst/>
           </a:prstGeom>
         </p:spPr>
         <p:txBody>
-          <a:bodyPr>
+          <a:bodyPr wrap="square">
             <a:spAutoFit/>
           </a:bodyPr>
           <a:lstStyle/>
@@ -32714,7 +33336,7 @@
               <a:buChar char="●"/>
             </a:pPr>
             <a:r>
-              <a:rPr lang="en-GB" sz="2200" dirty="0">
+              <a:rPr lang="en-GB" sz="2000" dirty="0">
                 <a:solidFill>
                   <a:schemeClr val="bg2">
                     <a:lumMod val="50000"/>
@@ -32735,7 +33357,7 @@
               <a:buChar char="●"/>
             </a:pPr>
             <a:r>
-              <a:rPr lang="en-GB" sz="2200" dirty="0">
+              <a:rPr lang="en-GB" sz="2000" dirty="0">
                 <a:solidFill>
                   <a:schemeClr val="bg2">
                     <a:lumMod val="50000"/>
@@ -32756,7 +33378,7 @@
               <a:buChar char="●"/>
             </a:pPr>
             <a:r>
-              <a:rPr lang="en-GB" sz="2200" dirty="0">
+              <a:rPr lang="en-GB" sz="2000" dirty="0">
                 <a:solidFill>
                   <a:schemeClr val="bg2">
                     <a:lumMod val="50000"/>
@@ -32771,28 +33393,10 @@
             </a:r>
           </a:p>
           <a:p>
-            <a:pPr marL="457200" lvl="0" indent="-317500">
-              <a:buSzPts val="1400"/>
-              <a:buFont typeface="Raleway"/>
-              <a:buChar char="●"/>
-            </a:pPr>
-            <a:endParaRPr lang="en-GB" sz="2200" dirty="0">
-              <a:solidFill>
-                <a:schemeClr val="bg2">
-                  <a:lumMod val="50000"/>
-                </a:schemeClr>
-              </a:solidFill>
-              <a:latin typeface="+mj-lt"/>
-              <a:ea typeface="Raleway"/>
-              <a:cs typeface="Raleway"/>
-              <a:sym typeface="Raleway"/>
-            </a:endParaRPr>
-          </a:p>
-          <a:p>
             <a:pPr marL="139700" lvl="0">
               <a:buSzPts val="1400"/>
             </a:pPr>
-            <a:endParaRPr lang="en-GB" sz="2200" dirty="0">
+            <a:endParaRPr lang="en-GB" sz="2000" dirty="0">
               <a:solidFill>
                 <a:schemeClr val="bg2">
                   <a:lumMod val="50000"/>
@@ -32809,7 +33413,7 @@
               <a:buSzPts val="1400"/>
             </a:pPr>
             <a:r>
-              <a:rPr lang="en-GB" sz="2200" dirty="0">
+              <a:rPr lang="en-GB" sz="2000" dirty="0">
                 <a:solidFill>
                   <a:schemeClr val="bg2">
                     <a:lumMod val="50000"/>
@@ -32823,7 +33427,7 @@
               <a:t>Python scripts are being used in order to provide the lists and download the pages, resulting in </a:t>
             </a:r>
             <a:r>
-              <a:rPr lang="en-GB" sz="2200" b="1" dirty="0">
+              <a:rPr lang="en-GB" sz="2000" b="1" dirty="0">
                 <a:solidFill>
                   <a:schemeClr val="bg2">
                     <a:lumMod val="50000"/>
@@ -32837,7 +33441,7 @@
               <a:t>509 </a:t>
             </a:r>
             <a:r>
-              <a:rPr lang="en-GB" sz="2200" dirty="0">
+              <a:rPr lang="en-GB" sz="2000" dirty="0">
                 <a:solidFill>
                   <a:schemeClr val="bg2">
                     <a:lumMod val="50000"/>
@@ -32851,7 +33455,7 @@
               <a:t>different </a:t>
             </a:r>
             <a:r>
-              <a:rPr lang="en-GB" sz="2200" b="1" dirty="0">
+              <a:rPr lang="en-GB" sz="2000" b="1" dirty="0">
                 <a:solidFill>
                   <a:schemeClr val="bg2">
                     <a:lumMod val="50000"/>
@@ -32865,7 +33469,7 @@
               <a:t>computer scientist</a:t>
             </a:r>
             <a:r>
-              <a:rPr lang="en-GB" sz="2200" dirty="0">
+              <a:rPr lang="en-GB" sz="2000" dirty="0">
                 <a:solidFill>
                   <a:schemeClr val="bg2">
                     <a:lumMod val="50000"/>
@@ -32896,7 +33500,7 @@
           <p:nvPr/>
         </p:nvPicPr>
         <p:blipFill>
-          <a:blip r:embed="rId2">
+          <a:blip r:embed="rId2" cstate="print">
             <a:extLst>
               <a:ext uri="{28A0092B-C50C-407E-A947-70E740481C1C}">
                 <a14:useLocalDpi xmlns:a14="http://schemas.microsoft.com/office/drawing/2010/main" val="0"/>
@@ -32926,6 +33530,88 @@
               </a14:hiddenFill>
             </a:ext>
           </a:extLst>
+        </p:spPr>
+      </p:pic>
+      <p:sp>
+        <p:nvSpPr>
+          <p:cNvPr id="23" name="Rettangolo 22">
+            <a:extLst>
+              <a:ext uri="{FF2B5EF4-FFF2-40B4-BE49-F238E27FC236}">
+                <a16:creationId xmlns:a16="http://schemas.microsoft.com/office/drawing/2014/main" id="{2EDE2B7A-ED14-204F-8D0F-BE98684CCDDF}"/>
+              </a:ext>
+            </a:extLst>
+          </p:cNvPr>
+          <p:cNvSpPr/>
+          <p:nvPr/>
+        </p:nvSpPr>
+        <p:spPr>
+          <a:xfrm>
+            <a:off x="5448024" y="4393451"/>
+            <a:ext cx="725648" cy="707886"/>
+          </a:xfrm>
+          <a:prstGeom prst="rect">
+            <a:avLst/>
+          </a:prstGeom>
+        </p:spPr>
+        <p:txBody>
+          <a:bodyPr wrap="none">
+            <a:spAutoFit/>
+          </a:bodyPr>
+          <a:lstStyle/>
+          <a:p>
+            <a:r>
+              <a:rPr lang="en-US" sz="4000" b="1" dirty="0">
+                <a:latin typeface="Titillium" panose="00000500000000000000" pitchFamily="50" charset="0"/>
+              </a:rPr>
+              <a:t>V</a:t>
+            </a:r>
+            <a:r>
+              <a:rPr lang="en-US" sz="4000" b="1" dirty="0">
+                <a:solidFill>
+                  <a:schemeClr val="accent2"/>
+                </a:solidFill>
+                <a:latin typeface="Titillium" panose="00000500000000000000" pitchFamily="50" charset="0"/>
+              </a:rPr>
+              <a:t>S</a:t>
+            </a:r>
+            <a:endParaRPr lang="it-IT" sz="4000" dirty="0"/>
+          </a:p>
+        </p:txBody>
+      </p:sp>
+      <p:pic>
+        <p:nvPicPr>
+          <p:cNvPr id="25" name="Immagine 24">
+            <a:extLst>
+              <a:ext uri="{FF2B5EF4-FFF2-40B4-BE49-F238E27FC236}">
+                <a16:creationId xmlns:a16="http://schemas.microsoft.com/office/drawing/2014/main" id="{F38F6152-B9E2-EB44-95A1-85DD437BF64C}"/>
+              </a:ext>
+            </a:extLst>
+          </p:cNvPr>
+          <p:cNvPicPr>
+            <a:picLocks noChangeAspect="1"/>
+          </p:cNvPicPr>
+          <p:nvPr/>
+        </p:nvPicPr>
+        <p:blipFill>
+          <a:blip r:embed="rId3">
+            <a:extLst>
+              <a:ext uri="{28A0092B-C50C-407E-A947-70E740481C1C}">
+                <a14:useLocalDpi xmlns:a14="http://schemas.microsoft.com/office/drawing/2010/main" val="0"/>
+              </a:ext>
+            </a:extLst>
+          </a:blip>
+          <a:stretch>
+            <a:fillRect/>
+          </a:stretch>
+        </p:blipFill>
+        <p:spPr>
+          <a:xfrm>
+            <a:off x="7018664" y="3373083"/>
+            <a:ext cx="4316652" cy="3026753"/>
+          </a:xfrm>
+          <a:prstGeom prst="rect">
+            <a:avLst/>
+          </a:prstGeom>
         </p:spPr>
       </p:pic>
     </p:spTree>
